--- a/Presentation_Template.pptx
+++ b/Presentation_Template.pptx
@@ -10,7 +10,7 @@
   <p:sldIdLst>
     <p:sldId id="256" r:id="rId2"/>
     <p:sldId id="258" r:id="rId3"/>
-    <p:sldId id="260" r:id="rId4"/>
+    <p:sldId id="290" r:id="rId4"/>
     <p:sldId id="263" r:id="rId5"/>
     <p:sldId id="283" r:id="rId6"/>
     <p:sldId id="281" r:id="rId7"/>
@@ -277,6 +277,11 @@
       </a:defRPr>
     </a:lvl9pPr>
   </p:defaultTextStyle>
+  <p:extLst>
+    <p:ext uri="{EFAFB233-063F-42B5-8137-9DF3F51BA10A}">
+      <p15:sldGuideLst xmlns:p15="http://schemas.microsoft.com/office/powerpoint/2012/main"/>
+    </p:ext>
+  </p:extLst>
 </p:presentation>
 </file>
 
@@ -17304,8 +17309,8 @@
         </p:nvSpPr>
         <p:spPr>
           <a:xfrm>
-            <a:off x="1107449" y="1564722"/>
-            <a:ext cx="3188103" cy="336900"/>
+            <a:off x="1107449" y="1310281"/>
+            <a:ext cx="3464551" cy="336900"/>
           </a:xfrm>
           <a:prstGeom prst="rect">
             <a:avLst/>
@@ -17327,10 +17332,9 @@
               <a:buNone/>
             </a:pPr>
             <a:r>
-              <a:rPr lang="en" dirty="0"/>
-              <a:t>753 calcification cases</a:t>
+              <a:rPr lang="en-ZA" dirty="0"/>
+              <a:t>1872 calcification images</a:t>
             </a:r>
-            <a:endParaRPr dirty="0"/>
           </a:p>
         </p:txBody>
       </p:sp>
@@ -17346,7 +17350,7 @@
         </p:nvSpPr>
         <p:spPr>
           <a:xfrm>
-            <a:off x="1107450" y="1929788"/>
+            <a:off x="1107450" y="1675347"/>
             <a:ext cx="2740800" cy="864900"/>
           </a:xfrm>
           <a:prstGeom prst="rect">
@@ -17359,6 +17363,17 @@
           </a:bodyPr>
           <a:lstStyle/>
           <a:p>
+            <a:pPr marL="285750" indent="-285750">
+              <a:buFont typeface="Arial" panose="020B0604020202020204" pitchFamily="34" charset="0"/>
+              <a:buChar char="•"/>
+            </a:pPr>
+            <a:r>
+              <a:rPr lang="en-ZA" dirty="0"/>
+              <a:t>673 malignant</a:t>
+            </a:r>
+            <a:endParaRPr lang="en" dirty="0"/>
+          </a:p>
+          <a:p>
             <a:pPr marL="285750" lvl="0" indent="-285750" algn="l" rtl="0">
               <a:spcBef>
                 <a:spcPts val="0"/>
@@ -17371,25 +17386,8 @@
             </a:pPr>
             <a:r>
               <a:rPr lang="en" dirty="0"/>
-              <a:t>414 benign</a:t>
+              <a:t>1199 benign</a:t>
             </a:r>
-          </a:p>
-          <a:p>
-            <a:pPr marL="285750" lvl="0" indent="-285750" algn="l" rtl="0">
-              <a:spcBef>
-                <a:spcPts val="0"/>
-              </a:spcBef>
-              <a:spcAft>
-                <a:spcPts val="0"/>
-              </a:spcAft>
-              <a:buFont typeface="Arial" panose="020B0604020202020204" pitchFamily="34" charset="0"/>
-              <a:buChar char="•"/>
-            </a:pPr>
-            <a:r>
-              <a:rPr lang="en" dirty="0"/>
-              <a:t>339 malignant</a:t>
-            </a:r>
-            <a:endParaRPr dirty="0"/>
           </a:p>
         </p:txBody>
       </p:sp>
@@ -17405,8 +17403,8 @@
         </p:nvSpPr>
         <p:spPr>
           <a:xfrm>
-            <a:off x="5831853" y="1563972"/>
-            <a:ext cx="2204700" cy="338400"/>
+            <a:off x="5466092" y="1309531"/>
+            <a:ext cx="2540870" cy="338400"/>
           </a:xfrm>
           <a:prstGeom prst="rect">
             <a:avLst/>
@@ -17429,303 +17427,9 @@
             </a:pPr>
             <a:r>
               <a:rPr lang="en" dirty="0"/>
-              <a:t>891 mass cases</a:t>
+              <a:t>1696 mass images</a:t>
             </a:r>
             <a:endParaRPr dirty="0"/>
-          </a:p>
-        </p:txBody>
-      </p:sp>
-      <p:sp>
-        <p:nvSpPr>
-          <p:cNvPr id="13" name="Google Shape;197;p29">
-            <a:extLst>
-              <a:ext uri="{FF2B5EF4-FFF2-40B4-BE49-F238E27FC236}">
-                <a16:creationId xmlns:a16="http://schemas.microsoft.com/office/drawing/2014/main" id="{31CB45DD-5ECA-2C6E-4EF0-FBFEAAD9BE8D}"/>
-              </a:ext>
-            </a:extLst>
-          </p:cNvPr>
-          <p:cNvSpPr txBox="1">
-            <a:spLocks/>
-          </p:cNvSpPr>
-          <p:nvPr/>
-        </p:nvSpPr>
-        <p:spPr>
-          <a:xfrm>
-            <a:off x="2349119" y="3693310"/>
-            <a:ext cx="3892866" cy="868800"/>
-          </a:xfrm>
-          <a:prstGeom prst="rect">
-            <a:avLst/>
-          </a:prstGeom>
-          <a:noFill/>
-          <a:ln>
-            <a:noFill/>
-          </a:ln>
-        </p:spPr>
-        <p:txBody>
-          <a:bodyPr spcFirstLastPara="1" wrap="square" lIns="91425" tIns="91425" rIns="91425" bIns="91425" anchor="t" anchorCtr="0">
-            <a:noAutofit/>
-          </a:bodyPr>
-          <a:lstStyle>
-            <a:defPPr marR="0" lvl="0" algn="l" rtl="0">
-              <a:lnSpc>
-                <a:spcPct val="100000"/>
-              </a:lnSpc>
-              <a:spcBef>
-                <a:spcPts val="0"/>
-              </a:spcBef>
-              <a:spcAft>
-                <a:spcPts val="0"/>
-              </a:spcAft>
-            </a:defPPr>
-            <a:lvl1pPr marL="457200" marR="0" lvl="0" indent="-342900" algn="r" rtl="0">
-              <a:lnSpc>
-                <a:spcPct val="100000"/>
-              </a:lnSpc>
-              <a:spcBef>
-                <a:spcPts val="0"/>
-              </a:spcBef>
-              <a:spcAft>
-                <a:spcPts val="0"/>
-              </a:spcAft>
-              <a:buClr>
-                <a:schemeClr val="accent2"/>
-              </a:buClr>
-              <a:buSzPts val="2500"/>
-              <a:buFont typeface="Raleway"/>
-              <a:buNone/>
-              <a:defRPr sz="1500" b="0" i="0" u="none" strike="noStrike" cap="none">
-                <a:solidFill>
-                  <a:schemeClr val="accent2"/>
-                </a:solidFill>
-                <a:latin typeface="Raleway"/>
-                <a:ea typeface="Raleway"/>
-                <a:cs typeface="Raleway"/>
-                <a:sym typeface="Raleway"/>
-              </a:defRPr>
-            </a:lvl1pPr>
-            <a:lvl2pPr marL="914400" marR="0" lvl="1" indent="-317500" algn="ctr" rtl="0">
-              <a:lnSpc>
-                <a:spcPct val="100000"/>
-              </a:lnSpc>
-              <a:spcBef>
-                <a:spcPts val="0"/>
-              </a:spcBef>
-              <a:spcAft>
-                <a:spcPts val="0"/>
-              </a:spcAft>
-              <a:buClr>
-                <a:schemeClr val="accent2"/>
-              </a:buClr>
-              <a:buSzPts val="2800"/>
-              <a:buFont typeface="Raleway"/>
-              <a:buNone/>
-              <a:defRPr sz="2800" b="0" i="0" u="none" strike="noStrike" cap="none">
-                <a:solidFill>
-                  <a:schemeClr val="accent2"/>
-                </a:solidFill>
-                <a:latin typeface="Raleway"/>
-                <a:ea typeface="Raleway"/>
-                <a:cs typeface="Raleway"/>
-                <a:sym typeface="Raleway"/>
-              </a:defRPr>
-            </a:lvl2pPr>
-            <a:lvl3pPr marL="1371600" marR="0" lvl="2" indent="-317500" algn="ctr" rtl="0">
-              <a:lnSpc>
-                <a:spcPct val="100000"/>
-              </a:lnSpc>
-              <a:spcBef>
-                <a:spcPts val="0"/>
-              </a:spcBef>
-              <a:spcAft>
-                <a:spcPts val="0"/>
-              </a:spcAft>
-              <a:buClr>
-                <a:schemeClr val="accent2"/>
-              </a:buClr>
-              <a:buSzPts val="2800"/>
-              <a:buFont typeface="Raleway"/>
-              <a:buNone/>
-              <a:defRPr sz="2800" b="0" i="0" u="none" strike="noStrike" cap="none">
-                <a:solidFill>
-                  <a:schemeClr val="accent2"/>
-                </a:solidFill>
-                <a:latin typeface="Raleway"/>
-                <a:ea typeface="Raleway"/>
-                <a:cs typeface="Raleway"/>
-                <a:sym typeface="Raleway"/>
-              </a:defRPr>
-            </a:lvl3pPr>
-            <a:lvl4pPr marL="1828800" marR="0" lvl="3" indent="-317500" algn="ctr" rtl="0">
-              <a:lnSpc>
-                <a:spcPct val="100000"/>
-              </a:lnSpc>
-              <a:spcBef>
-                <a:spcPts val="0"/>
-              </a:spcBef>
-              <a:spcAft>
-                <a:spcPts val="0"/>
-              </a:spcAft>
-              <a:buClr>
-                <a:schemeClr val="accent2"/>
-              </a:buClr>
-              <a:buSzPts val="2800"/>
-              <a:buFont typeface="Raleway"/>
-              <a:buNone/>
-              <a:defRPr sz="2800" b="0" i="0" u="none" strike="noStrike" cap="none">
-                <a:solidFill>
-                  <a:schemeClr val="accent2"/>
-                </a:solidFill>
-                <a:latin typeface="Raleway"/>
-                <a:ea typeface="Raleway"/>
-                <a:cs typeface="Raleway"/>
-                <a:sym typeface="Raleway"/>
-              </a:defRPr>
-            </a:lvl4pPr>
-            <a:lvl5pPr marL="2286000" marR="0" lvl="4" indent="-317500" algn="ctr" rtl="0">
-              <a:lnSpc>
-                <a:spcPct val="100000"/>
-              </a:lnSpc>
-              <a:spcBef>
-                <a:spcPts val="0"/>
-              </a:spcBef>
-              <a:spcAft>
-                <a:spcPts val="0"/>
-              </a:spcAft>
-              <a:buClr>
-                <a:schemeClr val="accent2"/>
-              </a:buClr>
-              <a:buSzPts val="2800"/>
-              <a:buFont typeface="Raleway"/>
-              <a:buNone/>
-              <a:defRPr sz="2800" b="0" i="0" u="none" strike="noStrike" cap="none">
-                <a:solidFill>
-                  <a:schemeClr val="accent2"/>
-                </a:solidFill>
-                <a:latin typeface="Raleway"/>
-                <a:ea typeface="Raleway"/>
-                <a:cs typeface="Raleway"/>
-                <a:sym typeface="Raleway"/>
-              </a:defRPr>
-            </a:lvl5pPr>
-            <a:lvl6pPr marL="2743200" marR="0" lvl="5" indent="-317500" algn="ctr" rtl="0">
-              <a:lnSpc>
-                <a:spcPct val="100000"/>
-              </a:lnSpc>
-              <a:spcBef>
-                <a:spcPts val="0"/>
-              </a:spcBef>
-              <a:spcAft>
-                <a:spcPts val="0"/>
-              </a:spcAft>
-              <a:buClr>
-                <a:schemeClr val="accent2"/>
-              </a:buClr>
-              <a:buSzPts val="2800"/>
-              <a:buFont typeface="Raleway"/>
-              <a:buNone/>
-              <a:defRPr sz="2800" b="0" i="0" u="none" strike="noStrike" cap="none">
-                <a:solidFill>
-                  <a:schemeClr val="accent2"/>
-                </a:solidFill>
-                <a:latin typeface="Raleway"/>
-                <a:ea typeface="Raleway"/>
-                <a:cs typeface="Raleway"/>
-                <a:sym typeface="Raleway"/>
-              </a:defRPr>
-            </a:lvl6pPr>
-            <a:lvl7pPr marL="3200400" marR="0" lvl="6" indent="-317500" algn="ctr" rtl="0">
-              <a:lnSpc>
-                <a:spcPct val="100000"/>
-              </a:lnSpc>
-              <a:spcBef>
-                <a:spcPts val="0"/>
-              </a:spcBef>
-              <a:spcAft>
-                <a:spcPts val="0"/>
-              </a:spcAft>
-              <a:buClr>
-                <a:schemeClr val="accent2"/>
-              </a:buClr>
-              <a:buSzPts val="2800"/>
-              <a:buFont typeface="Raleway"/>
-              <a:buNone/>
-              <a:defRPr sz="2800" b="0" i="0" u="none" strike="noStrike" cap="none">
-                <a:solidFill>
-                  <a:schemeClr val="accent2"/>
-                </a:solidFill>
-                <a:latin typeface="Raleway"/>
-                <a:ea typeface="Raleway"/>
-                <a:cs typeface="Raleway"/>
-                <a:sym typeface="Raleway"/>
-              </a:defRPr>
-            </a:lvl7pPr>
-            <a:lvl8pPr marL="3657600" marR="0" lvl="7" indent="-317500" algn="ctr" rtl="0">
-              <a:lnSpc>
-                <a:spcPct val="100000"/>
-              </a:lnSpc>
-              <a:spcBef>
-                <a:spcPts val="0"/>
-              </a:spcBef>
-              <a:spcAft>
-                <a:spcPts val="0"/>
-              </a:spcAft>
-              <a:buClr>
-                <a:schemeClr val="accent2"/>
-              </a:buClr>
-              <a:buSzPts val="2800"/>
-              <a:buFont typeface="Raleway"/>
-              <a:buNone/>
-              <a:defRPr sz="2800" b="0" i="0" u="none" strike="noStrike" cap="none">
-                <a:solidFill>
-                  <a:schemeClr val="accent2"/>
-                </a:solidFill>
-                <a:latin typeface="Raleway"/>
-                <a:ea typeface="Raleway"/>
-                <a:cs typeface="Raleway"/>
-                <a:sym typeface="Raleway"/>
-              </a:defRPr>
-            </a:lvl8pPr>
-            <a:lvl9pPr marL="4114800" marR="0" lvl="8" indent="-317500" algn="ctr" rtl="0">
-              <a:lnSpc>
-                <a:spcPct val="100000"/>
-              </a:lnSpc>
-              <a:spcBef>
-                <a:spcPts val="0"/>
-              </a:spcBef>
-              <a:spcAft>
-                <a:spcPts val="0"/>
-              </a:spcAft>
-              <a:buClr>
-                <a:schemeClr val="accent2"/>
-              </a:buClr>
-              <a:buSzPts val="2800"/>
-              <a:buFont typeface="Raleway"/>
-              <a:buNone/>
-              <a:defRPr sz="2800" b="0" i="0" u="none" strike="noStrike" cap="none">
-                <a:solidFill>
-                  <a:schemeClr val="accent2"/>
-                </a:solidFill>
-                <a:latin typeface="Raleway"/>
-                <a:ea typeface="Raleway"/>
-                <a:cs typeface="Raleway"/>
-                <a:sym typeface="Raleway"/>
-              </a:defRPr>
-            </a:lvl9pPr>
-          </a:lstStyle>
-          <a:p>
-            <a:pPr marL="0" indent="0">
-              <a:buClr>
-                <a:schemeClr val="dk1"/>
-              </a:buClr>
-              <a:buSzPts val="1100"/>
-              <a:buFont typeface="Arial"/>
-              <a:buNone/>
-            </a:pPr>
-            <a:r>
-              <a:rPr lang="en-ZA" sz="3600" dirty="0"/>
-              <a:t>ADD IMAGES</a:t>
-            </a:r>
           </a:p>
         </p:txBody>
       </p:sp>
@@ -17745,7 +17449,7 @@
         </p:nvSpPr>
         <p:spPr>
           <a:xfrm>
-            <a:off x="5831853" y="1933522"/>
+            <a:off x="5466092" y="1679081"/>
             <a:ext cx="2740800" cy="864900"/>
           </a:xfrm>
           <a:prstGeom prst="rect">
@@ -18014,7 +17718,7 @@
             </a:pPr>
             <a:r>
               <a:rPr lang="en-ZA" dirty="0"/>
-              <a:t>472 benign</a:t>
+              <a:t>784 malignant</a:t>
             </a:r>
           </a:p>
           <a:p>
@@ -18024,11 +17728,69 @@
             </a:pPr>
             <a:r>
               <a:rPr lang="en-ZA" dirty="0"/>
-              <a:t>419 malignant</a:t>
+              <a:t>912 benign</a:t>
             </a:r>
           </a:p>
         </p:txBody>
       </p:sp>
+      <p:pic>
+        <p:nvPicPr>
+          <p:cNvPr id="2" name="Picture 1">
+            <a:extLst>
+              <a:ext uri="{FF2B5EF4-FFF2-40B4-BE49-F238E27FC236}">
+                <a16:creationId xmlns:a16="http://schemas.microsoft.com/office/drawing/2014/main" id="{9A34D62C-7F36-AA00-C405-B056F94B88F2}"/>
+              </a:ext>
+            </a:extLst>
+          </p:cNvPr>
+          <p:cNvPicPr>
+            <a:picLocks noChangeAspect="1"/>
+          </p:cNvPicPr>
+          <p:nvPr/>
+        </p:nvPicPr>
+        <p:blipFill rotWithShape="1">
+          <a:blip r:embed="rId3"/>
+          <a:srcRect l="21538" r="41020"/>
+          <a:stretch/>
+        </p:blipFill>
+        <p:spPr>
+          <a:xfrm>
+            <a:off x="1061872" y="2412724"/>
+            <a:ext cx="2910177" cy="2590800"/>
+          </a:xfrm>
+          <a:prstGeom prst="rect">
+            <a:avLst/>
+          </a:prstGeom>
+        </p:spPr>
+      </p:pic>
+      <p:pic>
+        <p:nvPicPr>
+          <p:cNvPr id="3" name="Picture 2">
+            <a:extLst>
+              <a:ext uri="{FF2B5EF4-FFF2-40B4-BE49-F238E27FC236}">
+                <a16:creationId xmlns:a16="http://schemas.microsoft.com/office/drawing/2014/main" id="{1E09C770-F551-3C4D-6223-9730C120D087}"/>
+              </a:ext>
+            </a:extLst>
+          </p:cNvPr>
+          <p:cNvPicPr>
+            <a:picLocks noChangeAspect="1"/>
+          </p:cNvPicPr>
+          <p:nvPr/>
+        </p:nvPicPr>
+        <p:blipFill rotWithShape="1">
+          <a:blip r:embed="rId4"/>
+          <a:srcRect l="21048" r="41354"/>
+          <a:stretch/>
+        </p:blipFill>
+        <p:spPr>
+          <a:xfrm>
+            <a:off x="5466092" y="2412724"/>
+            <a:ext cx="2922198" cy="2590800"/>
+          </a:xfrm>
+          <a:prstGeom prst="rect">
+            <a:avLst/>
+          </a:prstGeom>
+        </p:spPr>
+      </p:pic>
     </p:spTree>
   </p:cSld>
   <p:clrMapOvr>
@@ -25010,29 +24772,7 @@
                   </a:extLst>
                 </a:hlinkClick>
               </a:rPr>
-              <a:t>M</a:t>
-            </a:r>
-            <a:r>
-              <a:rPr lang="en" dirty="0">
-                <a:solidFill>
-                  <a:schemeClr val="accent2"/>
-                </a:solidFill>
-                <a:uFill>
-                  <a:noFill/>
-                </a:uFill>
-                <a:latin typeface="Raleway Medium"/>
-                <a:ea typeface="Raleway Medium"/>
-                <a:cs typeface="Raleway Medium"/>
-                <a:sym typeface="Raleway Medium"/>
-                <a:hlinkClick r:id="rId5">
-                  <a:extLst>
-                    <a:ext uri="{A12FA001-AC4F-418D-AE19-62706E023703}">
-                      <ahyp:hlinkClr xmlns:ahyp="http://schemas.microsoft.com/office/drawing/2018/hyperlinkcolor" val="tx"/>
-                    </a:ext>
-                  </a:extLst>
-                </a:hlinkClick>
-              </a:rPr>
-              <a:t>an with a tooth pain</a:t>
+              <a:t>Man with a tooth pain</a:t>
             </a:r>
             <a:endParaRPr dirty="0">
               <a:solidFill>
